--- a/IoT - Kopie.pptx
+++ b/IoT - Kopie.pptx
@@ -2,7 +2,7 @@
 <file path=ppt/presentation.xml><?xml version="1.0" encoding="utf-8"?>
 <p:presentation xmlns:a="http://schemas.openxmlformats.org/drawingml/2006/main" xmlns:r="http://schemas.openxmlformats.org/officeDocument/2006/relationships" xmlns:p="http://schemas.openxmlformats.org/presentationml/2006/main" saveSubsetFonts="1">
   <p:sldMasterIdLst>
-    <p:sldMasterId id="2147483707" r:id="rId1"/>
+    <p:sldMasterId id="2147483787" r:id="rId1"/>
   </p:sldMasterIdLst>
   <p:notesMasterIdLst>
     <p:notesMasterId r:id="rId15"/>
@@ -2086,7 +2086,7 @@
     </p:spTree>
     <p:extLst>
       <p:ext uri="{BB962C8B-B14F-4D97-AF65-F5344CB8AC3E}">
-        <p14:creationId xmlns:p14="http://schemas.microsoft.com/office/powerpoint/2010/main" val="456181069"/>
+        <p14:creationId xmlns:p14="http://schemas.microsoft.com/office/powerpoint/2010/main" val="709133036"/>
       </p:ext>
     </p:extLst>
   </p:cSld>
@@ -2337,7 +2337,7 @@
     </p:spTree>
     <p:extLst>
       <p:ext uri="{BB962C8B-B14F-4D97-AF65-F5344CB8AC3E}">
-        <p14:creationId xmlns:p14="http://schemas.microsoft.com/office/powerpoint/2010/main" val="198090328"/>
+        <p14:creationId xmlns:p14="http://schemas.microsoft.com/office/powerpoint/2010/main" val="2221264327"/>
       </p:ext>
     </p:extLst>
   </p:cSld>
@@ -2733,7 +2733,7 @@
     </p:spTree>
     <p:extLst>
       <p:ext uri="{BB962C8B-B14F-4D97-AF65-F5344CB8AC3E}">
-        <p14:creationId xmlns:p14="http://schemas.microsoft.com/office/powerpoint/2010/main" val="3719361158"/>
+        <p14:creationId xmlns:p14="http://schemas.microsoft.com/office/powerpoint/2010/main" val="1900380566"/>
       </p:ext>
     </p:extLst>
   </p:cSld>
@@ -2984,7 +2984,7 @@
     </p:spTree>
     <p:extLst>
       <p:ext uri="{BB962C8B-B14F-4D97-AF65-F5344CB8AC3E}">
-        <p14:creationId xmlns:p14="http://schemas.microsoft.com/office/powerpoint/2010/main" val="1890095125"/>
+        <p14:creationId xmlns:p14="http://schemas.microsoft.com/office/powerpoint/2010/main" val="3989245771"/>
       </p:ext>
     </p:extLst>
   </p:cSld>
@@ -3380,7 +3380,7 @@
     </p:spTree>
     <p:extLst>
       <p:ext uri="{BB962C8B-B14F-4D97-AF65-F5344CB8AC3E}">
-        <p14:creationId xmlns:p14="http://schemas.microsoft.com/office/powerpoint/2010/main" val="2789500594"/>
+        <p14:creationId xmlns:p14="http://schemas.microsoft.com/office/powerpoint/2010/main" val="2211073491"/>
       </p:ext>
     </p:extLst>
   </p:cSld>
@@ -3691,7 +3691,7 @@
     </p:spTree>
     <p:extLst>
       <p:ext uri="{BB962C8B-B14F-4D97-AF65-F5344CB8AC3E}">
-        <p14:creationId xmlns:p14="http://schemas.microsoft.com/office/powerpoint/2010/main" val="3465976459"/>
+        <p14:creationId xmlns:p14="http://schemas.microsoft.com/office/powerpoint/2010/main" val="3902972488"/>
       </p:ext>
     </p:extLst>
   </p:cSld>
@@ -3861,7 +3861,7 @@
     </p:spTree>
     <p:extLst>
       <p:ext uri="{BB962C8B-B14F-4D97-AF65-F5344CB8AC3E}">
-        <p14:creationId xmlns:p14="http://schemas.microsoft.com/office/powerpoint/2010/main" val="2751810063"/>
+        <p14:creationId xmlns:p14="http://schemas.microsoft.com/office/powerpoint/2010/main" val="3091292013"/>
       </p:ext>
     </p:extLst>
   </p:cSld>
@@ -4041,7 +4041,7 @@
     </p:spTree>
     <p:extLst>
       <p:ext uri="{BB962C8B-B14F-4D97-AF65-F5344CB8AC3E}">
-        <p14:creationId xmlns:p14="http://schemas.microsoft.com/office/powerpoint/2010/main" val="4240666176"/>
+        <p14:creationId xmlns:p14="http://schemas.microsoft.com/office/powerpoint/2010/main" val="1407396652"/>
       </p:ext>
     </p:extLst>
   </p:cSld>
@@ -4211,7 +4211,7 @@
     </p:spTree>
     <p:extLst>
       <p:ext uri="{BB962C8B-B14F-4D97-AF65-F5344CB8AC3E}">
-        <p14:creationId xmlns:p14="http://schemas.microsoft.com/office/powerpoint/2010/main" val="2579182005"/>
+        <p14:creationId xmlns:p14="http://schemas.microsoft.com/office/powerpoint/2010/main" val="773317704"/>
       </p:ext>
     </p:extLst>
   </p:cSld>
@@ -4458,7 +4458,7 @@
     </p:spTree>
     <p:extLst>
       <p:ext uri="{BB962C8B-B14F-4D97-AF65-F5344CB8AC3E}">
-        <p14:creationId xmlns:p14="http://schemas.microsoft.com/office/powerpoint/2010/main" val="1556729964"/>
+        <p14:creationId xmlns:p14="http://schemas.microsoft.com/office/powerpoint/2010/main" val="3142953582"/>
       </p:ext>
     </p:extLst>
   </p:cSld>
@@ -4690,7 +4690,7 @@
     </p:spTree>
     <p:extLst>
       <p:ext uri="{BB962C8B-B14F-4D97-AF65-F5344CB8AC3E}">
-        <p14:creationId xmlns:p14="http://schemas.microsoft.com/office/powerpoint/2010/main" val="2479933540"/>
+        <p14:creationId xmlns:p14="http://schemas.microsoft.com/office/powerpoint/2010/main" val="3925784203"/>
       </p:ext>
     </p:extLst>
   </p:cSld>
@@ -5064,7 +5064,7 @@
     </p:spTree>
     <p:extLst>
       <p:ext uri="{BB962C8B-B14F-4D97-AF65-F5344CB8AC3E}">
-        <p14:creationId xmlns:p14="http://schemas.microsoft.com/office/powerpoint/2010/main" val="431387411"/>
+        <p14:creationId xmlns:p14="http://schemas.microsoft.com/office/powerpoint/2010/main" val="69210812"/>
       </p:ext>
     </p:extLst>
   </p:cSld>
@@ -5187,7 +5187,7 @@
     </p:spTree>
     <p:extLst>
       <p:ext uri="{BB962C8B-B14F-4D97-AF65-F5344CB8AC3E}">
-        <p14:creationId xmlns:p14="http://schemas.microsoft.com/office/powerpoint/2010/main" val="1582313234"/>
+        <p14:creationId xmlns:p14="http://schemas.microsoft.com/office/powerpoint/2010/main" val="436622688"/>
       </p:ext>
     </p:extLst>
   </p:cSld>
@@ -5282,7 +5282,7 @@
     </p:spTree>
     <p:extLst>
       <p:ext uri="{BB962C8B-B14F-4D97-AF65-F5344CB8AC3E}">
-        <p14:creationId xmlns:p14="http://schemas.microsoft.com/office/powerpoint/2010/main" val="2887083394"/>
+        <p14:creationId xmlns:p14="http://schemas.microsoft.com/office/powerpoint/2010/main" val="2741487952"/>
       </p:ext>
     </p:extLst>
   </p:cSld>
@@ -5537,7 +5537,7 @@
     </p:spTree>
     <p:extLst>
       <p:ext uri="{BB962C8B-B14F-4D97-AF65-F5344CB8AC3E}">
-        <p14:creationId xmlns:p14="http://schemas.microsoft.com/office/powerpoint/2010/main" val="129926640"/>
+        <p14:creationId xmlns:p14="http://schemas.microsoft.com/office/powerpoint/2010/main" val="1245840102"/>
       </p:ext>
     </p:extLst>
   </p:cSld>
@@ -5800,7 +5800,7 @@
     </p:spTree>
     <p:extLst>
       <p:ext uri="{BB962C8B-B14F-4D97-AF65-F5344CB8AC3E}">
-        <p14:creationId xmlns:p14="http://schemas.microsoft.com/office/powerpoint/2010/main" val="2789627083"/>
+        <p14:creationId xmlns:p14="http://schemas.microsoft.com/office/powerpoint/2010/main" val="2876180328"/>
       </p:ext>
     </p:extLst>
   </p:cSld>
@@ -6578,28 +6578,28 @@
     </p:spTree>
     <p:extLst>
       <p:ext uri="{BB962C8B-B14F-4D97-AF65-F5344CB8AC3E}">
-        <p14:creationId xmlns:p14="http://schemas.microsoft.com/office/powerpoint/2010/main" val="1018335579"/>
+        <p14:creationId xmlns:p14="http://schemas.microsoft.com/office/powerpoint/2010/main" val="1650603803"/>
       </p:ext>
     </p:extLst>
   </p:cSld>
   <p:clrMap bg1="lt1" tx1="dk1" bg2="lt2" tx2="dk2" accent1="accent1" accent2="accent2" accent3="accent3" accent4="accent4" accent5="accent5" accent6="accent6" hlink="hlink" folHlink="folHlink"/>
   <p:sldLayoutIdLst>
-    <p:sldLayoutId id="2147483708" r:id="rId1"/>
-    <p:sldLayoutId id="2147483709" r:id="rId2"/>
-    <p:sldLayoutId id="2147483710" r:id="rId3"/>
-    <p:sldLayoutId id="2147483711" r:id="rId4"/>
-    <p:sldLayoutId id="2147483712" r:id="rId5"/>
-    <p:sldLayoutId id="2147483713" r:id="rId6"/>
-    <p:sldLayoutId id="2147483714" r:id="rId7"/>
-    <p:sldLayoutId id="2147483715" r:id="rId8"/>
-    <p:sldLayoutId id="2147483716" r:id="rId9"/>
-    <p:sldLayoutId id="2147483717" r:id="rId10"/>
-    <p:sldLayoutId id="2147483718" r:id="rId11"/>
-    <p:sldLayoutId id="2147483719" r:id="rId12"/>
-    <p:sldLayoutId id="2147483720" r:id="rId13"/>
-    <p:sldLayoutId id="2147483721" r:id="rId14"/>
-    <p:sldLayoutId id="2147483722" r:id="rId15"/>
-    <p:sldLayoutId id="2147483723" r:id="rId16"/>
+    <p:sldLayoutId id="2147483788" r:id="rId1"/>
+    <p:sldLayoutId id="2147483789" r:id="rId2"/>
+    <p:sldLayoutId id="2147483790" r:id="rId3"/>
+    <p:sldLayoutId id="2147483791" r:id="rId4"/>
+    <p:sldLayoutId id="2147483792" r:id="rId5"/>
+    <p:sldLayoutId id="2147483793" r:id="rId6"/>
+    <p:sldLayoutId id="2147483794" r:id="rId7"/>
+    <p:sldLayoutId id="2147483795" r:id="rId8"/>
+    <p:sldLayoutId id="2147483796" r:id="rId9"/>
+    <p:sldLayoutId id="2147483797" r:id="rId10"/>
+    <p:sldLayoutId id="2147483798" r:id="rId11"/>
+    <p:sldLayoutId id="2147483799" r:id="rId12"/>
+    <p:sldLayoutId id="2147483800" r:id="rId13"/>
+    <p:sldLayoutId id="2147483801" r:id="rId14"/>
+    <p:sldLayoutId id="2147483802" r:id="rId15"/>
+    <p:sldLayoutId id="2147483803" r:id="rId16"/>
   </p:sldLayoutIdLst>
   <p:txStyles>
     <p:titleStyle>
@@ -7246,6 +7246,41 @@
           </a:p>
         </p:txBody>
       </p:sp>
+      <p:pic>
+        <p:nvPicPr>
+          <p:cNvPr id="4" name="Grafik 3">
+            <a:extLst>
+              <a:ext uri="{FF2B5EF4-FFF2-40B4-BE49-F238E27FC236}">
+                <a16:creationId xmlns:a16="http://schemas.microsoft.com/office/drawing/2014/main" id="{B6EBCE2B-7003-4366-9BCA-B3BA44B5131B}"/>
+              </a:ext>
+            </a:extLst>
+          </p:cNvPr>
+          <p:cNvPicPr>
+            <a:picLocks noChangeAspect="1"/>
+          </p:cNvPicPr>
+          <p:nvPr/>
+        </p:nvPicPr>
+        <p:blipFill rotWithShape="1">
+          <a:blip r:embed="rId3">
+            <a:extLst>
+              <a:ext uri="{28A0092B-C50C-407E-A947-70E740481C1C}">
+                <a14:useLocalDpi xmlns:a14="http://schemas.microsoft.com/office/drawing/2010/main" val="0"/>
+              </a:ext>
+            </a:extLst>
+          </a:blip>
+          <a:srcRect t="34666"/>
+          <a:stretch/>
+        </p:blipFill>
+        <p:spPr>
+          <a:xfrm>
+            <a:off x="6439298" y="1398701"/>
+            <a:ext cx="4032988" cy="3528900"/>
+          </a:xfrm>
+          <a:prstGeom prst="rect">
+            <a:avLst/>
+          </a:prstGeom>
+        </p:spPr>
+      </p:pic>
     </p:spTree>
     <p:extLst>
       <p:ext uri="{BB962C8B-B14F-4D97-AF65-F5344CB8AC3E}">
@@ -7355,32 +7390,48 @@
           <a:p>
             <a:r>
               <a:rPr lang="de-DE" dirty="0"/>
-              <a:t>Luftqualität</a:t>
+              <a:t>Luftqualität:</a:t>
             </a:r>
           </a:p>
           <a:p>
             <a:pPr lvl="1"/>
-            <a:r>
-              <a:rPr lang="de-DE" dirty="0"/>
-              <a:t>&lt;150 -&gt; gute Luft</a:t>
-            </a:r>
-          </a:p>
-          <a:p>
-            <a:pPr lvl="1"/>
-            <a:r>
-              <a:rPr lang="de-DE" dirty="0"/>
-              <a:t>150 – 180 -&gt; moderate Luft</a:t>
-            </a:r>
-          </a:p>
-          <a:p>
-            <a:pPr lvl="1"/>
-            <a:r>
-              <a:rPr lang="de-DE" dirty="0"/>
-              <a:t>&gt;180 -&gt; schlechte Luft</a:t>
-            </a:r>
-          </a:p>
-        </p:txBody>
-      </p:sp>
+            <a:endParaRPr lang="de-DE" dirty="0"/>
+          </a:p>
+          <a:p>
+            <a:endParaRPr lang="de-DE" dirty="0"/>
+          </a:p>
+        </p:txBody>
+      </p:sp>
+      <p:pic>
+        <p:nvPicPr>
+          <p:cNvPr id="5" name="Grafik 4">
+            <a:extLst>
+              <a:ext uri="{FF2B5EF4-FFF2-40B4-BE49-F238E27FC236}">
+                <a16:creationId xmlns:a16="http://schemas.microsoft.com/office/drawing/2014/main" id="{493F2400-978E-4224-8458-E34611BD0E42}"/>
+              </a:ext>
+            </a:extLst>
+          </p:cNvPr>
+          <p:cNvPicPr>
+            <a:picLocks noChangeAspect="1"/>
+          </p:cNvPicPr>
+          <p:nvPr/>
+        </p:nvPicPr>
+        <p:blipFill>
+          <a:blip r:embed="rId2"/>
+          <a:stretch>
+            <a:fillRect/>
+          </a:stretch>
+        </p:blipFill>
+        <p:spPr>
+          <a:xfrm>
+            <a:off x="1106261" y="4585070"/>
+            <a:ext cx="4989739" cy="431404"/>
+          </a:xfrm>
+          <a:prstGeom prst="rect">
+            <a:avLst/>
+          </a:prstGeom>
+        </p:spPr>
+      </p:pic>
     </p:spTree>
     <p:extLst>
       <p:ext uri="{BB962C8B-B14F-4D97-AF65-F5344CB8AC3E}">
@@ -7628,7 +7679,9 @@
           </a:xfrm>
         </p:spPr>
         <p:txBody>
-          <a:bodyPr/>
+          <a:bodyPr>
+            <a:normAutofit/>
+          </a:bodyPr>
           <a:lstStyle/>
           <a:p>
             <a:r>
@@ -8124,12 +8177,7 @@
             <p:ph type="title"/>
           </p:nvPr>
         </p:nvSpPr>
-        <p:spPr>
-          <a:xfrm>
-            <a:off x="677334" y="609600"/>
-            <a:ext cx="8596668" cy="1320800"/>
-          </a:xfrm>
-        </p:spPr>
+        <p:spPr/>
         <p:txBody>
           <a:bodyPr/>
           <a:lstStyle/>
@@ -8178,12 +8226,7 @@
             <p:ph idx="1"/>
           </p:nvPr>
         </p:nvSpPr>
-        <p:spPr>
-          <a:xfrm>
-            <a:off x="677334" y="2160589"/>
-            <a:ext cx="8596668" cy="3880773"/>
-          </a:xfrm>
-        </p:spPr>
+        <p:spPr/>
         <p:txBody>
           <a:bodyPr/>
           <a:lstStyle/>
